--- a/motto_desktop.pptx
+++ b/motto_desktop.pptx
@@ -6280,7 +6280,7 @@
           <p:spPr>
             <a:xfrm>
               <a:off x="14639" y="4761"/>
-              <a:ext cx="644" cy="483"/>
+              <a:ext cx="644" cy="386"/>
             </a:xfrm>
             <a:prstGeom prst="rect">
               <a:avLst/>
@@ -6293,10 +6293,10 @@
             </a:bodyPr>
             <a:p>
               <a:r>
-                <a:rPr lang="en-US" altLang="zh-CN" sz="1400"/>
+                <a:rPr lang="en-US" altLang="zh-CN" sz="1000"/>
                 <a:t>56</a:t>
               </a:r>
-              <a:endParaRPr lang="en-US" altLang="zh-CN" sz="1400"/>
+              <a:endParaRPr lang="en-US" altLang="zh-CN" sz="1000"/>
             </a:p>
           </p:txBody>
         </p:sp>
@@ -6670,7 +6670,7 @@
           <p:spPr>
             <a:xfrm>
               <a:off x="14639" y="4761"/>
-              <a:ext cx="644" cy="483"/>
+              <a:ext cx="644" cy="386"/>
             </a:xfrm>
             <a:prstGeom prst="rect">
               <a:avLst/>
@@ -6683,10 +6683,10 @@
             </a:bodyPr>
             <a:p>
               <a:r>
-                <a:rPr lang="en-US" altLang="zh-CN" sz="1400"/>
-                <a:t>56</a:t>
+                <a:rPr lang="en-US" altLang="zh-CN" sz="1000"/>
+                <a:t>120</a:t>
               </a:r>
-              <a:endParaRPr lang="en-US" altLang="zh-CN" sz="1400"/>
+              <a:endParaRPr lang="en-US" altLang="zh-CN" sz="1000"/>
             </a:p>
           </p:txBody>
         </p:sp>

--- a/motto_desktop.pptx
+++ b/motto_desktop.pptx
@@ -8,6 +8,7 @@
     <p:sldId id="257" r:id="rId3"/>
     <p:sldId id="258" r:id="rId4"/>
     <p:sldId id="256" r:id="rId5"/>
+    <p:sldId id="260" r:id="rId6"/>
   </p:sldIdLst>
   <p:sldSz cx="12192000" cy="6858000"/>
   <p:notesSz cx="7103745" cy="10234295"/>
@@ -6857,6 +6858,2103 @@
 </p:sld>
 </file>
 
+<file path=ppt/slides/slide4.xml><?xml version="1.0" encoding="utf-8"?>
+<p:sld xmlns:a="http://schemas.openxmlformats.org/drawingml/2006/main" xmlns:r="http://schemas.openxmlformats.org/officeDocument/2006/relationships" xmlns:p="http://schemas.openxmlformats.org/presentationml/2006/main">
+  <p:cSld>
+    <p:spTree>
+      <p:nvGrpSpPr>
+        <p:cNvPr id="1" name=""/>
+        <p:cNvGrpSpPr/>
+        <p:nvPr/>
+      </p:nvGrpSpPr>
+      <p:grpSpPr/>
+      <p:grpSp>
+        <p:nvGrpSpPr>
+          <p:cNvPr id="36" name="组合 35"/>
+          <p:cNvGrpSpPr/>
+          <p:nvPr/>
+        </p:nvGrpSpPr>
+        <p:grpSpPr>
+          <a:xfrm rot="0">
+            <a:off x="4408170" y="4186555"/>
+            <a:ext cx="340360" cy="340995"/>
+            <a:chOff x="11475" y="2850"/>
+            <a:chExt cx="2520" cy="1574"/>
+          </a:xfrm>
+        </p:grpSpPr>
+        <p:sp>
+          <p:nvSpPr>
+            <p:cNvPr id="13" name="圆角矩形 12"/>
+            <p:cNvSpPr/>
+            <p:nvPr/>
+          </p:nvSpPr>
+          <p:spPr>
+            <a:xfrm>
+              <a:off x="11475" y="2850"/>
+              <a:ext cx="2520" cy="1575"/>
+            </a:xfrm>
+            <a:prstGeom prst="roundRect">
+              <a:avLst>
+                <a:gd name="adj" fmla="val 10984"/>
+              </a:avLst>
+            </a:prstGeom>
+            <a:solidFill>
+              <a:schemeClr val="bg1"/>
+            </a:solidFill>
+            <a:ln>
+              <a:solidFill>
+                <a:schemeClr val="tx1"/>
+              </a:solidFill>
+            </a:ln>
+            <a:extLst>
+              <a:ext uri="{909E8E84-426E-40DD-AFC4-6F175D3DCCD1}">
+                <a14:hiddenFill xmlns:a14="http://schemas.microsoft.com/office/drawing/2010/main">
+                  <a:solidFill>
+                    <a:schemeClr val="accent1"/>
+                  </a:solidFill>
+                </a14:hiddenFill>
+              </a:ext>
+            </a:extLst>
+          </p:spPr>
+          <p:style>
+            <a:lnRef idx="2">
+              <a:schemeClr val="accent1">
+                <a:shade val="50000"/>
+              </a:schemeClr>
+            </a:lnRef>
+            <a:fillRef idx="1">
+              <a:schemeClr val="accent1"/>
+            </a:fillRef>
+            <a:effectRef idx="0">
+              <a:schemeClr val="accent1"/>
+            </a:effectRef>
+            <a:fontRef idx="minor">
+              <a:schemeClr val="lt1"/>
+            </a:fontRef>
+          </p:style>
+          <p:txBody>
+            <a:bodyPr rtlCol="0" anchor="ctr"/>
+            <a:p>
+              <a:pPr algn="ctr"/>
+              <a:endParaRPr lang="zh-CN" altLang="en-US"/>
+            </a:p>
+          </p:txBody>
+        </p:sp>
+        <p:sp>
+          <p:nvSpPr>
+            <p:cNvPr id="14" name="矩形 13"/>
+            <p:cNvSpPr/>
+            <p:nvPr/>
+          </p:nvSpPr>
+          <p:spPr>
+            <a:xfrm>
+              <a:off x="11700" y="3030"/>
+              <a:ext cx="1170" cy="840"/>
+            </a:xfrm>
+            <a:prstGeom prst="rect">
+              <a:avLst/>
+            </a:prstGeom>
+            <a:solidFill>
+              <a:schemeClr val="bg1">
+                <a:lumMod val="65000"/>
+              </a:schemeClr>
+            </a:solidFill>
+            <a:ln>
+              <a:solidFill>
+                <a:schemeClr val="tx1"/>
+              </a:solidFill>
+            </a:ln>
+          </p:spPr>
+          <p:style>
+            <a:lnRef idx="2">
+              <a:schemeClr val="accent1">
+                <a:shade val="50000"/>
+              </a:schemeClr>
+            </a:lnRef>
+            <a:fillRef idx="1">
+              <a:schemeClr val="accent1"/>
+            </a:fillRef>
+            <a:effectRef idx="0">
+              <a:schemeClr val="accent1"/>
+            </a:effectRef>
+            <a:fontRef idx="minor">
+              <a:schemeClr val="lt1"/>
+            </a:fontRef>
+          </p:style>
+          <p:txBody>
+            <a:bodyPr rtlCol="0" anchor="ctr"/>
+            <a:p>
+              <a:pPr algn="ctr"/>
+              <a:endParaRPr lang="zh-CN" altLang="en-US"/>
+            </a:p>
+          </p:txBody>
+        </p:sp>
+        <p:sp>
+          <p:nvSpPr>
+            <p:cNvPr id="15" name="矩形 14"/>
+            <p:cNvSpPr/>
+            <p:nvPr/>
+          </p:nvSpPr>
+          <p:spPr>
+            <a:xfrm>
+              <a:off x="11700" y="4050"/>
+              <a:ext cx="1740" cy="270"/>
+            </a:xfrm>
+            <a:prstGeom prst="rect">
+              <a:avLst/>
+            </a:prstGeom>
+            <a:solidFill>
+              <a:schemeClr val="bg1">
+                <a:lumMod val="65000"/>
+              </a:schemeClr>
+            </a:solidFill>
+            <a:ln>
+              <a:solidFill>
+                <a:schemeClr val="tx1"/>
+              </a:solidFill>
+            </a:ln>
+          </p:spPr>
+          <p:style>
+            <a:lnRef idx="2">
+              <a:schemeClr val="accent1">
+                <a:shade val="50000"/>
+              </a:schemeClr>
+            </a:lnRef>
+            <a:fillRef idx="1">
+              <a:schemeClr val="accent1"/>
+            </a:fillRef>
+            <a:effectRef idx="0">
+              <a:schemeClr val="accent1"/>
+            </a:effectRef>
+            <a:fontRef idx="minor">
+              <a:schemeClr val="lt1"/>
+            </a:fontRef>
+          </p:style>
+          <p:txBody>
+            <a:bodyPr rtlCol="0" anchor="ctr"/>
+            <a:p>
+              <a:pPr algn="ctr"/>
+              <a:endParaRPr lang="zh-CN" altLang="en-US"/>
+            </a:p>
+          </p:txBody>
+        </p:sp>
+      </p:grpSp>
+      <p:grpSp>
+        <p:nvGrpSpPr>
+          <p:cNvPr id="51" name="组合 50"/>
+          <p:cNvGrpSpPr/>
+          <p:nvPr/>
+        </p:nvGrpSpPr>
+        <p:grpSpPr>
+          <a:xfrm>
+            <a:off x="4948555" y="4850130"/>
+            <a:ext cx="339090" cy="340360"/>
+            <a:chOff x="7793" y="7638"/>
+            <a:chExt cx="534" cy="536"/>
+          </a:xfrm>
+        </p:grpSpPr>
+        <p:sp>
+          <p:nvSpPr>
+            <p:cNvPr id="16" name="圆角矩形 15"/>
+            <p:cNvSpPr/>
+            <p:nvPr/>
+          </p:nvSpPr>
+          <p:spPr>
+            <a:xfrm flipH="1" flipV="1">
+              <a:off x="7793" y="7638"/>
+              <a:ext cx="535" cy="537"/>
+            </a:xfrm>
+            <a:prstGeom prst="roundRect">
+              <a:avLst>
+                <a:gd name="adj" fmla="val 10984"/>
+              </a:avLst>
+            </a:prstGeom>
+            <a:solidFill>
+              <a:schemeClr val="bg1">
+                <a:lumMod val="85000"/>
+                <a:alpha val="65000"/>
+              </a:schemeClr>
+            </a:solidFill>
+            <a:ln>
+              <a:solidFill>
+                <a:schemeClr val="tx1"/>
+              </a:solidFill>
+            </a:ln>
+            <a:effectLst/>
+            <a:extLst>
+              <a:ext uri="{909E8E84-426E-40DD-AFC4-6F175D3DCCD1}">
+                <a14:hiddenFill xmlns:a14="http://schemas.microsoft.com/office/drawing/2010/main">
+                  <a:solidFill>
+                    <a:schemeClr val="accent1"/>
+                  </a:solidFill>
+                </a14:hiddenFill>
+              </a:ext>
+            </a:extLst>
+          </p:spPr>
+          <p:style>
+            <a:lnRef idx="2">
+              <a:schemeClr val="accent1">
+                <a:shade val="50000"/>
+              </a:schemeClr>
+            </a:lnRef>
+            <a:fillRef idx="1">
+              <a:schemeClr val="accent1"/>
+            </a:fillRef>
+            <a:effectRef idx="0">
+              <a:schemeClr val="accent1"/>
+            </a:effectRef>
+            <a:fontRef idx="minor">
+              <a:schemeClr val="lt1"/>
+            </a:fontRef>
+          </p:style>
+          <p:txBody>
+            <a:bodyPr rtlCol="0" anchor="ctr"/>
+            <a:p>
+              <a:pPr algn="ctr"/>
+              <a:endParaRPr lang="zh-CN" altLang="en-US"/>
+            </a:p>
+          </p:txBody>
+        </p:sp>
+        <p:sp>
+          <p:nvSpPr>
+            <p:cNvPr id="17" name="矩形 16"/>
+            <p:cNvSpPr/>
+            <p:nvPr/>
+          </p:nvSpPr>
+          <p:spPr>
+            <a:xfrm flipH="1" flipV="1">
+              <a:off x="8031" y="7699"/>
+              <a:ext cx="248" cy="286"/>
+            </a:xfrm>
+            <a:prstGeom prst="rect">
+              <a:avLst/>
+            </a:prstGeom>
+            <a:solidFill>
+              <a:schemeClr val="tx1">
+                <a:lumMod val="75000"/>
+                <a:lumOff val="25000"/>
+              </a:schemeClr>
+            </a:solidFill>
+            <a:ln>
+              <a:solidFill>
+                <a:schemeClr val="tx1"/>
+              </a:solidFill>
+            </a:ln>
+          </p:spPr>
+          <p:style>
+            <a:lnRef idx="2">
+              <a:schemeClr val="accent1">
+                <a:shade val="50000"/>
+              </a:schemeClr>
+            </a:lnRef>
+            <a:fillRef idx="1">
+              <a:schemeClr val="accent1"/>
+            </a:fillRef>
+            <a:effectRef idx="0">
+              <a:schemeClr val="accent1"/>
+            </a:effectRef>
+            <a:fontRef idx="minor">
+              <a:schemeClr val="lt1"/>
+            </a:fontRef>
+          </p:style>
+          <p:txBody>
+            <a:bodyPr rtlCol="0" anchor="ctr"/>
+            <a:p>
+              <a:pPr algn="ctr"/>
+              <a:endParaRPr lang="zh-CN" altLang="en-US"/>
+            </a:p>
+          </p:txBody>
+        </p:sp>
+        <p:sp>
+          <p:nvSpPr>
+            <p:cNvPr id="18" name="矩形 17"/>
+            <p:cNvSpPr/>
+            <p:nvPr/>
+          </p:nvSpPr>
+          <p:spPr>
+            <a:xfrm flipH="1" flipV="1">
+              <a:off x="7911" y="8047"/>
+              <a:ext cx="369" cy="92"/>
+            </a:xfrm>
+            <a:prstGeom prst="rect">
+              <a:avLst/>
+            </a:prstGeom>
+            <a:solidFill>
+              <a:schemeClr val="tx1">
+                <a:lumMod val="75000"/>
+                <a:lumOff val="25000"/>
+              </a:schemeClr>
+            </a:solidFill>
+            <a:ln>
+              <a:solidFill>
+                <a:schemeClr val="tx1"/>
+              </a:solidFill>
+            </a:ln>
+          </p:spPr>
+          <p:style>
+            <a:lnRef idx="2">
+              <a:schemeClr val="accent1">
+                <a:shade val="50000"/>
+              </a:schemeClr>
+            </a:lnRef>
+            <a:fillRef idx="1">
+              <a:schemeClr val="accent1"/>
+            </a:fillRef>
+            <a:effectRef idx="0">
+              <a:schemeClr val="accent1"/>
+            </a:effectRef>
+            <a:fontRef idx="minor">
+              <a:schemeClr val="lt1"/>
+            </a:fontRef>
+          </p:style>
+          <p:txBody>
+            <a:bodyPr rtlCol="0" anchor="ctr"/>
+            <a:p>
+              <a:pPr algn="ctr"/>
+              <a:endParaRPr lang="zh-CN" altLang="en-US"/>
+            </a:p>
+          </p:txBody>
+        </p:sp>
+      </p:grpSp>
+      <p:grpSp>
+        <p:nvGrpSpPr>
+          <p:cNvPr id="35" name="组合 34"/>
+          <p:cNvGrpSpPr/>
+          <p:nvPr/>
+        </p:nvGrpSpPr>
+        <p:grpSpPr>
+          <a:xfrm rot="0">
+            <a:off x="5486400" y="4186555"/>
+            <a:ext cx="339725" cy="340995"/>
+            <a:chOff x="14345" y="2850"/>
+            <a:chExt cx="2520" cy="1574"/>
+          </a:xfrm>
+        </p:grpSpPr>
+        <p:sp>
+          <p:nvSpPr>
+            <p:cNvPr id="24" name="圆角矩形 23"/>
+            <p:cNvSpPr/>
+            <p:nvPr/>
+          </p:nvSpPr>
+          <p:spPr>
+            <a:xfrm>
+              <a:off x="14345" y="2850"/>
+              <a:ext cx="2520" cy="1575"/>
+            </a:xfrm>
+            <a:prstGeom prst="roundRect">
+              <a:avLst>
+                <a:gd name="adj" fmla="val 10984"/>
+              </a:avLst>
+            </a:prstGeom>
+            <a:solidFill>
+              <a:schemeClr val="bg1"/>
+            </a:solidFill>
+            <a:ln>
+              <a:solidFill>
+                <a:schemeClr val="tx1"/>
+              </a:solidFill>
+            </a:ln>
+            <a:extLst>
+              <a:ext uri="{909E8E84-426E-40DD-AFC4-6F175D3DCCD1}">
+                <a14:hiddenFill xmlns:a14="http://schemas.microsoft.com/office/drawing/2010/main">
+                  <a:solidFill>
+                    <a:schemeClr val="accent1"/>
+                  </a:solidFill>
+                </a14:hiddenFill>
+              </a:ext>
+            </a:extLst>
+          </p:spPr>
+          <p:style>
+            <a:lnRef idx="2">
+              <a:schemeClr val="accent1">
+                <a:shade val="50000"/>
+              </a:schemeClr>
+            </a:lnRef>
+            <a:fillRef idx="1">
+              <a:schemeClr val="accent1"/>
+            </a:fillRef>
+            <a:effectRef idx="0">
+              <a:schemeClr val="accent1"/>
+            </a:effectRef>
+            <a:fontRef idx="minor">
+              <a:schemeClr val="lt1"/>
+            </a:fontRef>
+          </p:style>
+          <p:txBody>
+            <a:bodyPr rtlCol="0" anchor="ctr"/>
+            <a:p>
+              <a:pPr algn="ctr"/>
+              <a:endParaRPr lang="zh-CN" altLang="en-US"/>
+            </a:p>
+          </p:txBody>
+        </p:sp>
+        <p:sp>
+          <p:nvSpPr>
+            <p:cNvPr id="25" name="矩形 24"/>
+            <p:cNvSpPr/>
+            <p:nvPr/>
+          </p:nvSpPr>
+          <p:spPr>
+            <a:xfrm>
+              <a:off x="14570" y="3030"/>
+              <a:ext cx="1170" cy="840"/>
+            </a:xfrm>
+            <a:prstGeom prst="rect">
+              <a:avLst/>
+            </a:prstGeom>
+            <a:solidFill>
+              <a:schemeClr val="bg1">
+                <a:lumMod val="65000"/>
+              </a:schemeClr>
+            </a:solidFill>
+            <a:ln>
+              <a:solidFill>
+                <a:schemeClr val="tx1"/>
+              </a:solidFill>
+            </a:ln>
+          </p:spPr>
+          <p:style>
+            <a:lnRef idx="2">
+              <a:schemeClr val="accent1">
+                <a:shade val="50000"/>
+              </a:schemeClr>
+            </a:lnRef>
+            <a:fillRef idx="1">
+              <a:schemeClr val="accent1"/>
+            </a:fillRef>
+            <a:effectRef idx="0">
+              <a:schemeClr val="accent1"/>
+            </a:effectRef>
+            <a:fontRef idx="minor">
+              <a:schemeClr val="lt1"/>
+            </a:fontRef>
+          </p:style>
+          <p:txBody>
+            <a:bodyPr rtlCol="0" anchor="ctr"/>
+            <a:p>
+              <a:pPr algn="ctr"/>
+              <a:endParaRPr lang="zh-CN" altLang="en-US"/>
+            </a:p>
+          </p:txBody>
+        </p:sp>
+        <p:sp>
+          <p:nvSpPr>
+            <p:cNvPr id="26" name="矩形 25"/>
+            <p:cNvSpPr/>
+            <p:nvPr/>
+          </p:nvSpPr>
+          <p:spPr>
+            <a:xfrm>
+              <a:off x="15634" y="4050"/>
+              <a:ext cx="1036" cy="270"/>
+            </a:xfrm>
+            <a:prstGeom prst="rect">
+              <a:avLst/>
+            </a:prstGeom>
+            <a:solidFill>
+              <a:schemeClr val="bg1">
+                <a:lumMod val="65000"/>
+              </a:schemeClr>
+            </a:solidFill>
+            <a:ln>
+              <a:solidFill>
+                <a:schemeClr val="tx1"/>
+              </a:solidFill>
+            </a:ln>
+          </p:spPr>
+          <p:style>
+            <a:lnRef idx="2">
+              <a:schemeClr val="accent1">
+                <a:shade val="50000"/>
+              </a:schemeClr>
+            </a:lnRef>
+            <a:fillRef idx="1">
+              <a:schemeClr val="accent1"/>
+            </a:fillRef>
+            <a:effectRef idx="0">
+              <a:schemeClr val="accent1"/>
+            </a:effectRef>
+            <a:fontRef idx="minor">
+              <a:schemeClr val="lt1"/>
+            </a:fontRef>
+          </p:style>
+          <p:txBody>
+            <a:bodyPr rtlCol="0" anchor="ctr"/>
+            <a:p>
+              <a:pPr algn="ctr"/>
+              <a:endParaRPr lang="zh-CN" altLang="en-US"/>
+            </a:p>
+          </p:txBody>
+        </p:sp>
+      </p:grpSp>
+      <p:grpSp>
+        <p:nvGrpSpPr>
+          <p:cNvPr id="27" name="组合 26"/>
+          <p:cNvGrpSpPr/>
+          <p:nvPr/>
+        </p:nvGrpSpPr>
+        <p:grpSpPr>
+          <a:xfrm rot="16200000" flipH="1">
+            <a:off x="6563995" y="4187190"/>
+            <a:ext cx="340360" cy="340360"/>
+            <a:chOff x="11475" y="5135"/>
+            <a:chExt cx="2520" cy="1574"/>
+          </a:xfrm>
+        </p:grpSpPr>
+        <p:sp>
+          <p:nvSpPr>
+            <p:cNvPr id="28" name="圆角矩形 27"/>
+            <p:cNvSpPr/>
+            <p:nvPr/>
+          </p:nvSpPr>
+          <p:spPr>
+            <a:xfrm flipV="1">
+              <a:off x="11475" y="5135"/>
+              <a:ext cx="2520" cy="1575"/>
+            </a:xfrm>
+            <a:prstGeom prst="roundRect">
+              <a:avLst>
+                <a:gd name="adj" fmla="val 10984"/>
+              </a:avLst>
+            </a:prstGeom>
+            <a:solidFill>
+              <a:schemeClr val="bg1"/>
+            </a:solidFill>
+            <a:ln>
+              <a:solidFill>
+                <a:schemeClr val="tx1"/>
+              </a:solidFill>
+            </a:ln>
+            <a:extLst>
+              <a:ext uri="{909E8E84-426E-40DD-AFC4-6F175D3DCCD1}">
+                <a14:hiddenFill xmlns:a14="http://schemas.microsoft.com/office/drawing/2010/main">
+                  <a:solidFill>
+                    <a:schemeClr val="accent1"/>
+                  </a:solidFill>
+                </a14:hiddenFill>
+              </a:ext>
+            </a:extLst>
+          </p:spPr>
+          <p:style>
+            <a:lnRef idx="2">
+              <a:schemeClr val="accent1">
+                <a:shade val="50000"/>
+              </a:schemeClr>
+            </a:lnRef>
+            <a:fillRef idx="1">
+              <a:schemeClr val="accent1"/>
+            </a:fillRef>
+            <a:effectRef idx="0">
+              <a:schemeClr val="accent1"/>
+            </a:effectRef>
+            <a:fontRef idx="minor">
+              <a:schemeClr val="lt1"/>
+            </a:fontRef>
+          </p:style>
+          <p:txBody>
+            <a:bodyPr rtlCol="0" anchor="ctr"/>
+            <a:p>
+              <a:pPr algn="ctr"/>
+              <a:endParaRPr lang="zh-CN" altLang="en-US"/>
+            </a:p>
+          </p:txBody>
+        </p:sp>
+        <p:sp>
+          <p:nvSpPr>
+            <p:cNvPr id="29" name="矩形 28"/>
+            <p:cNvSpPr/>
+            <p:nvPr/>
+          </p:nvSpPr>
+          <p:spPr>
+            <a:xfrm flipV="1">
+              <a:off x="11700" y="5315"/>
+              <a:ext cx="1170" cy="840"/>
+            </a:xfrm>
+            <a:prstGeom prst="rect">
+              <a:avLst/>
+            </a:prstGeom>
+            <a:solidFill>
+              <a:schemeClr val="bg1">
+                <a:lumMod val="65000"/>
+              </a:schemeClr>
+            </a:solidFill>
+            <a:ln>
+              <a:solidFill>
+                <a:schemeClr val="tx1"/>
+              </a:solidFill>
+            </a:ln>
+          </p:spPr>
+          <p:style>
+            <a:lnRef idx="2">
+              <a:schemeClr val="accent1">
+                <a:shade val="50000"/>
+              </a:schemeClr>
+            </a:lnRef>
+            <a:fillRef idx="1">
+              <a:schemeClr val="accent1"/>
+            </a:fillRef>
+            <a:effectRef idx="0">
+              <a:schemeClr val="accent1"/>
+            </a:effectRef>
+            <a:fontRef idx="minor">
+              <a:schemeClr val="lt1"/>
+            </a:fontRef>
+          </p:style>
+          <p:txBody>
+            <a:bodyPr rtlCol="0" anchor="ctr"/>
+            <a:p>
+              <a:pPr algn="ctr"/>
+              <a:endParaRPr lang="zh-CN" altLang="en-US"/>
+            </a:p>
+          </p:txBody>
+        </p:sp>
+        <p:sp>
+          <p:nvSpPr>
+            <p:cNvPr id="30" name="矩形 29"/>
+            <p:cNvSpPr/>
+            <p:nvPr/>
+          </p:nvSpPr>
+          <p:spPr>
+            <a:xfrm flipV="1">
+              <a:off x="11700" y="6335"/>
+              <a:ext cx="1740" cy="270"/>
+            </a:xfrm>
+            <a:prstGeom prst="rect">
+              <a:avLst/>
+            </a:prstGeom>
+            <a:solidFill>
+              <a:schemeClr val="bg1">
+                <a:lumMod val="65000"/>
+              </a:schemeClr>
+            </a:solidFill>
+            <a:ln>
+              <a:solidFill>
+                <a:schemeClr val="tx1"/>
+              </a:solidFill>
+            </a:ln>
+          </p:spPr>
+          <p:style>
+            <a:lnRef idx="2">
+              <a:schemeClr val="accent1">
+                <a:shade val="50000"/>
+              </a:schemeClr>
+            </a:lnRef>
+            <a:fillRef idx="1">
+              <a:schemeClr val="accent1"/>
+            </a:fillRef>
+            <a:effectRef idx="0">
+              <a:schemeClr val="accent1"/>
+            </a:effectRef>
+            <a:fontRef idx="minor">
+              <a:schemeClr val="lt1"/>
+            </a:fontRef>
+          </p:style>
+          <p:txBody>
+            <a:bodyPr rtlCol="0" anchor="ctr"/>
+            <a:p>
+              <a:pPr algn="ctr"/>
+              <a:endParaRPr lang="zh-CN" altLang="en-US"/>
+            </a:p>
+          </p:txBody>
+        </p:sp>
+      </p:grpSp>
+      <p:grpSp>
+        <p:nvGrpSpPr>
+          <p:cNvPr id="34" name="组合 33"/>
+          <p:cNvGrpSpPr/>
+          <p:nvPr/>
+        </p:nvGrpSpPr>
+        <p:grpSpPr>
+          <a:xfrm rot="5400000">
+            <a:off x="6024880" y="4186555"/>
+            <a:ext cx="340360" cy="340360"/>
+            <a:chOff x="16145" y="5030"/>
+            <a:chExt cx="2520" cy="1574"/>
+          </a:xfrm>
+        </p:grpSpPr>
+        <p:sp>
+          <p:nvSpPr>
+            <p:cNvPr id="31" name="圆角矩形 30"/>
+            <p:cNvSpPr/>
+            <p:nvPr/>
+          </p:nvSpPr>
+          <p:spPr>
+            <a:xfrm>
+              <a:off x="16145" y="5030"/>
+              <a:ext cx="2520" cy="1575"/>
+            </a:xfrm>
+            <a:prstGeom prst="roundRect">
+              <a:avLst>
+                <a:gd name="adj" fmla="val 10984"/>
+              </a:avLst>
+            </a:prstGeom>
+            <a:solidFill>
+              <a:schemeClr val="bg1"/>
+            </a:solidFill>
+            <a:ln>
+              <a:solidFill>
+                <a:schemeClr val="tx1"/>
+              </a:solidFill>
+            </a:ln>
+            <a:extLst>
+              <a:ext uri="{909E8E84-426E-40DD-AFC4-6F175D3DCCD1}">
+                <a14:hiddenFill xmlns:a14="http://schemas.microsoft.com/office/drawing/2010/main">
+                  <a:solidFill>
+                    <a:schemeClr val="accent1"/>
+                  </a:solidFill>
+                </a14:hiddenFill>
+              </a:ext>
+            </a:extLst>
+          </p:spPr>
+          <p:style>
+            <a:lnRef idx="2">
+              <a:schemeClr val="accent1">
+                <a:shade val="50000"/>
+              </a:schemeClr>
+            </a:lnRef>
+            <a:fillRef idx="1">
+              <a:schemeClr val="accent1"/>
+            </a:fillRef>
+            <a:effectRef idx="0">
+              <a:schemeClr val="accent1"/>
+            </a:effectRef>
+            <a:fontRef idx="minor">
+              <a:schemeClr val="lt1"/>
+            </a:fontRef>
+          </p:style>
+          <p:txBody>
+            <a:bodyPr rtlCol="0" anchor="ctr"/>
+            <a:p>
+              <a:pPr algn="ctr"/>
+              <a:endParaRPr lang="zh-CN" altLang="en-US"/>
+            </a:p>
+          </p:txBody>
+        </p:sp>
+        <p:sp>
+          <p:nvSpPr>
+            <p:cNvPr id="32" name="矩形 31"/>
+            <p:cNvSpPr/>
+            <p:nvPr/>
+          </p:nvSpPr>
+          <p:spPr>
+            <a:xfrm>
+              <a:off x="16370" y="5210"/>
+              <a:ext cx="1170" cy="840"/>
+            </a:xfrm>
+            <a:prstGeom prst="rect">
+              <a:avLst/>
+            </a:prstGeom>
+            <a:solidFill>
+              <a:schemeClr val="bg1">
+                <a:lumMod val="65000"/>
+              </a:schemeClr>
+            </a:solidFill>
+            <a:ln>
+              <a:solidFill>
+                <a:schemeClr val="tx1"/>
+              </a:solidFill>
+            </a:ln>
+          </p:spPr>
+          <p:style>
+            <a:lnRef idx="2">
+              <a:schemeClr val="accent1">
+                <a:shade val="50000"/>
+              </a:schemeClr>
+            </a:lnRef>
+            <a:fillRef idx="1">
+              <a:schemeClr val="accent1"/>
+            </a:fillRef>
+            <a:effectRef idx="0">
+              <a:schemeClr val="accent1"/>
+            </a:effectRef>
+            <a:fontRef idx="minor">
+              <a:schemeClr val="lt1"/>
+            </a:fontRef>
+          </p:style>
+          <p:txBody>
+            <a:bodyPr rtlCol="0" anchor="ctr"/>
+            <a:p>
+              <a:pPr algn="ctr"/>
+              <a:endParaRPr lang="zh-CN" altLang="en-US"/>
+            </a:p>
+          </p:txBody>
+        </p:sp>
+        <p:sp>
+          <p:nvSpPr>
+            <p:cNvPr id="33" name="矩形 32"/>
+            <p:cNvSpPr/>
+            <p:nvPr/>
+          </p:nvSpPr>
+          <p:spPr>
+            <a:xfrm>
+              <a:off x="16370" y="6230"/>
+              <a:ext cx="1740" cy="270"/>
+            </a:xfrm>
+            <a:prstGeom prst="rect">
+              <a:avLst/>
+            </a:prstGeom>
+            <a:solidFill>
+              <a:schemeClr val="bg1">
+                <a:lumMod val="65000"/>
+              </a:schemeClr>
+            </a:solidFill>
+            <a:ln>
+              <a:solidFill>
+                <a:schemeClr val="tx1"/>
+              </a:solidFill>
+            </a:ln>
+          </p:spPr>
+          <p:style>
+            <a:lnRef idx="2">
+              <a:schemeClr val="accent1">
+                <a:shade val="50000"/>
+              </a:schemeClr>
+            </a:lnRef>
+            <a:fillRef idx="1">
+              <a:schemeClr val="accent1"/>
+            </a:fillRef>
+            <a:effectRef idx="0">
+              <a:schemeClr val="accent1"/>
+            </a:effectRef>
+            <a:fontRef idx="minor">
+              <a:schemeClr val="lt1"/>
+            </a:fontRef>
+          </p:style>
+          <p:txBody>
+            <a:bodyPr rtlCol="0" anchor="ctr"/>
+            <a:p>
+              <a:pPr algn="ctr"/>
+              <a:endParaRPr lang="zh-CN" altLang="en-US"/>
+            </a:p>
+          </p:txBody>
+        </p:sp>
+      </p:grpSp>
+      <p:grpSp>
+        <p:nvGrpSpPr>
+          <p:cNvPr id="2" name="组合 1"/>
+          <p:cNvGrpSpPr/>
+          <p:nvPr/>
+        </p:nvGrpSpPr>
+        <p:grpSpPr>
+          <a:xfrm rot="0" flipH="1">
+            <a:off x="4948555" y="4186555"/>
+            <a:ext cx="339725" cy="340995"/>
+            <a:chOff x="11475" y="5135"/>
+            <a:chExt cx="2520" cy="1575"/>
+          </a:xfrm>
+          <a:effectLst/>
+        </p:grpSpPr>
+        <p:sp>
+          <p:nvSpPr>
+            <p:cNvPr id="3" name="圆角矩形 2"/>
+            <p:cNvSpPr/>
+            <p:nvPr/>
+          </p:nvSpPr>
+          <p:spPr>
+            <a:xfrm flipV="1">
+              <a:off x="11475" y="5135"/>
+              <a:ext cx="2520" cy="1575"/>
+            </a:xfrm>
+            <a:prstGeom prst="roundRect">
+              <a:avLst>
+                <a:gd name="adj" fmla="val 10984"/>
+              </a:avLst>
+            </a:prstGeom>
+            <a:solidFill>
+              <a:schemeClr val="bg1">
+                <a:alpha val="65000"/>
+              </a:schemeClr>
+            </a:solidFill>
+            <a:ln>
+              <a:solidFill>
+                <a:schemeClr val="tx1"/>
+              </a:solidFill>
+            </a:ln>
+            <a:effectLst/>
+            <a:extLst>
+              <a:ext uri="{909E8E84-426E-40DD-AFC4-6F175D3DCCD1}">
+                <a14:hiddenFill xmlns:a14="http://schemas.microsoft.com/office/drawing/2010/main">
+                  <a:solidFill>
+                    <a:schemeClr val="accent1"/>
+                  </a:solidFill>
+                </a14:hiddenFill>
+              </a:ext>
+            </a:extLst>
+          </p:spPr>
+          <p:style>
+            <a:lnRef idx="2">
+              <a:schemeClr val="accent1">
+                <a:shade val="50000"/>
+              </a:schemeClr>
+            </a:lnRef>
+            <a:fillRef idx="1">
+              <a:schemeClr val="accent1"/>
+            </a:fillRef>
+            <a:effectRef idx="0">
+              <a:schemeClr val="accent1"/>
+            </a:effectRef>
+            <a:fontRef idx="minor">
+              <a:schemeClr val="lt1"/>
+            </a:fontRef>
+          </p:style>
+          <p:txBody>
+            <a:bodyPr rtlCol="0" anchor="ctr"/>
+            <a:p>
+              <a:pPr algn="ctr"/>
+              <a:endParaRPr lang="zh-CN" altLang="en-US"/>
+            </a:p>
+          </p:txBody>
+        </p:sp>
+        <p:sp>
+          <p:nvSpPr>
+            <p:cNvPr id="4" name="矩形 3"/>
+            <p:cNvSpPr/>
+            <p:nvPr/>
+          </p:nvSpPr>
+          <p:spPr>
+            <a:xfrm flipV="1">
+              <a:off x="11705" y="5315"/>
+              <a:ext cx="1170" cy="840"/>
+            </a:xfrm>
+            <a:prstGeom prst="rect">
+              <a:avLst/>
+            </a:prstGeom>
+            <a:solidFill>
+              <a:schemeClr val="bg1">
+                <a:lumMod val="65000"/>
+              </a:schemeClr>
+            </a:solidFill>
+            <a:ln>
+              <a:solidFill>
+                <a:schemeClr val="tx1"/>
+              </a:solidFill>
+            </a:ln>
+          </p:spPr>
+          <p:style>
+            <a:lnRef idx="2">
+              <a:schemeClr val="accent1">
+                <a:shade val="50000"/>
+              </a:schemeClr>
+            </a:lnRef>
+            <a:fillRef idx="1">
+              <a:schemeClr val="accent1"/>
+            </a:fillRef>
+            <a:effectRef idx="0">
+              <a:schemeClr val="accent1"/>
+            </a:effectRef>
+            <a:fontRef idx="minor">
+              <a:schemeClr val="lt1"/>
+            </a:fontRef>
+          </p:style>
+          <p:txBody>
+            <a:bodyPr rtlCol="0" anchor="ctr"/>
+            <a:p>
+              <a:pPr algn="ctr"/>
+              <a:endParaRPr lang="zh-CN" altLang="en-US"/>
+            </a:p>
+          </p:txBody>
+        </p:sp>
+        <p:sp>
+          <p:nvSpPr>
+            <p:cNvPr id="5" name="矩形 4"/>
+            <p:cNvSpPr/>
+            <p:nvPr/>
+          </p:nvSpPr>
+          <p:spPr>
+            <a:xfrm flipV="1">
+              <a:off x="11700" y="6335"/>
+              <a:ext cx="1740" cy="270"/>
+            </a:xfrm>
+            <a:prstGeom prst="rect">
+              <a:avLst/>
+            </a:prstGeom>
+            <a:solidFill>
+              <a:schemeClr val="bg1">
+                <a:lumMod val="65000"/>
+              </a:schemeClr>
+            </a:solidFill>
+            <a:ln>
+              <a:solidFill>
+                <a:schemeClr val="tx1"/>
+              </a:solidFill>
+            </a:ln>
+          </p:spPr>
+          <p:style>
+            <a:lnRef idx="2">
+              <a:schemeClr val="accent1">
+                <a:shade val="50000"/>
+              </a:schemeClr>
+            </a:lnRef>
+            <a:fillRef idx="1">
+              <a:schemeClr val="accent1"/>
+            </a:fillRef>
+            <a:effectRef idx="0">
+              <a:schemeClr val="accent1"/>
+            </a:effectRef>
+            <a:fontRef idx="minor">
+              <a:schemeClr val="lt1"/>
+            </a:fontRef>
+          </p:style>
+          <p:txBody>
+            <a:bodyPr rtlCol="0" anchor="ctr"/>
+            <a:p>
+              <a:pPr algn="ctr"/>
+              <a:endParaRPr lang="zh-CN" altLang="en-US"/>
+            </a:p>
+          </p:txBody>
+        </p:sp>
+      </p:grpSp>
+      <p:grpSp>
+        <p:nvGrpSpPr>
+          <p:cNvPr id="50" name="组合 49"/>
+          <p:cNvGrpSpPr/>
+          <p:nvPr/>
+        </p:nvGrpSpPr>
+        <p:grpSpPr>
+          <a:xfrm>
+            <a:off x="4408170" y="4850130"/>
+            <a:ext cx="340360" cy="340360"/>
+            <a:chOff x="6942" y="7638"/>
+            <a:chExt cx="536" cy="536"/>
+          </a:xfrm>
+        </p:grpSpPr>
+        <p:sp>
+          <p:nvSpPr>
+            <p:cNvPr id="7" name="圆角矩形 6"/>
+            <p:cNvSpPr/>
+            <p:nvPr/>
+          </p:nvSpPr>
+          <p:spPr>
+            <a:xfrm>
+              <a:off x="6942" y="7638"/>
+              <a:ext cx="536" cy="537"/>
+            </a:xfrm>
+            <a:prstGeom prst="roundRect">
+              <a:avLst>
+                <a:gd name="adj" fmla="val 10984"/>
+              </a:avLst>
+            </a:prstGeom>
+            <a:solidFill>
+              <a:schemeClr val="bg1">
+                <a:lumMod val="85000"/>
+              </a:schemeClr>
+            </a:solidFill>
+            <a:ln>
+              <a:solidFill>
+                <a:schemeClr val="tx1"/>
+              </a:solidFill>
+            </a:ln>
+            <a:extLst>
+              <a:ext uri="{909E8E84-426E-40DD-AFC4-6F175D3DCCD1}">
+                <a14:hiddenFill xmlns:a14="http://schemas.microsoft.com/office/drawing/2010/main">
+                  <a:solidFill>
+                    <a:schemeClr val="accent1"/>
+                  </a:solidFill>
+                </a14:hiddenFill>
+              </a:ext>
+            </a:extLst>
+          </p:spPr>
+          <p:style>
+            <a:lnRef idx="2">
+              <a:schemeClr val="accent1">
+                <a:shade val="50000"/>
+              </a:schemeClr>
+            </a:lnRef>
+            <a:fillRef idx="1">
+              <a:schemeClr val="accent1"/>
+            </a:fillRef>
+            <a:effectRef idx="0">
+              <a:schemeClr val="accent1"/>
+            </a:effectRef>
+            <a:fontRef idx="minor">
+              <a:schemeClr val="lt1"/>
+            </a:fontRef>
+          </p:style>
+          <p:txBody>
+            <a:bodyPr rtlCol="0" anchor="ctr"/>
+            <a:p>
+              <a:pPr algn="ctr"/>
+              <a:endParaRPr lang="zh-CN" altLang="en-US"/>
+            </a:p>
+          </p:txBody>
+        </p:sp>
+        <p:sp>
+          <p:nvSpPr>
+            <p:cNvPr id="8" name="矩形 7"/>
+            <p:cNvSpPr/>
+            <p:nvPr/>
+          </p:nvSpPr>
+          <p:spPr>
+            <a:xfrm>
+              <a:off x="6990" y="7699"/>
+              <a:ext cx="249" cy="287"/>
+            </a:xfrm>
+            <a:prstGeom prst="rect">
+              <a:avLst/>
+            </a:prstGeom>
+            <a:solidFill>
+              <a:schemeClr val="bg1">
+                <a:lumMod val="65000"/>
+              </a:schemeClr>
+            </a:solidFill>
+            <a:ln>
+              <a:solidFill>
+                <a:schemeClr val="tx1"/>
+              </a:solidFill>
+            </a:ln>
+          </p:spPr>
+          <p:style>
+            <a:lnRef idx="2">
+              <a:schemeClr val="accent1">
+                <a:shade val="50000"/>
+              </a:schemeClr>
+            </a:lnRef>
+            <a:fillRef idx="1">
+              <a:schemeClr val="accent1"/>
+            </a:fillRef>
+            <a:effectRef idx="0">
+              <a:schemeClr val="accent1"/>
+            </a:effectRef>
+            <a:fontRef idx="minor">
+              <a:schemeClr val="lt1"/>
+            </a:fontRef>
+          </p:style>
+          <p:txBody>
+            <a:bodyPr rtlCol="0" anchor="ctr"/>
+            <a:p>
+              <a:pPr algn="ctr"/>
+              <a:endParaRPr lang="zh-CN" altLang="en-US"/>
+            </a:p>
+          </p:txBody>
+        </p:sp>
+        <p:sp>
+          <p:nvSpPr>
+            <p:cNvPr id="9" name="矩形 8"/>
+            <p:cNvSpPr/>
+            <p:nvPr/>
+          </p:nvSpPr>
+          <p:spPr>
+            <a:xfrm>
+              <a:off x="6990" y="8047"/>
+              <a:ext cx="370" cy="92"/>
+            </a:xfrm>
+            <a:prstGeom prst="rect">
+              <a:avLst/>
+            </a:prstGeom>
+            <a:solidFill>
+              <a:schemeClr val="bg1">
+                <a:lumMod val="65000"/>
+              </a:schemeClr>
+            </a:solidFill>
+            <a:ln>
+              <a:solidFill>
+                <a:schemeClr val="tx1"/>
+              </a:solidFill>
+            </a:ln>
+          </p:spPr>
+          <p:style>
+            <a:lnRef idx="2">
+              <a:schemeClr val="accent1">
+                <a:shade val="50000"/>
+              </a:schemeClr>
+            </a:lnRef>
+            <a:fillRef idx="1">
+              <a:schemeClr val="accent1"/>
+            </a:fillRef>
+            <a:effectRef idx="0">
+              <a:schemeClr val="accent1"/>
+            </a:effectRef>
+            <a:fontRef idx="minor">
+              <a:schemeClr val="lt1"/>
+            </a:fontRef>
+          </p:style>
+          <p:txBody>
+            <a:bodyPr rtlCol="0" anchor="ctr"/>
+            <a:p>
+              <a:pPr algn="ctr"/>
+              <a:endParaRPr lang="zh-CN" altLang="en-US"/>
+            </a:p>
+          </p:txBody>
+        </p:sp>
+        <p:sp>
+          <p:nvSpPr>
+            <p:cNvPr id="42" name="矩形 41"/>
+            <p:cNvSpPr/>
+            <p:nvPr/>
+          </p:nvSpPr>
+          <p:spPr>
+            <a:xfrm>
+              <a:off x="6989" y="7699"/>
+              <a:ext cx="249" cy="287"/>
+            </a:xfrm>
+            <a:prstGeom prst="rect">
+              <a:avLst/>
+            </a:prstGeom>
+            <a:solidFill>
+              <a:schemeClr val="tx1">
+                <a:lumMod val="75000"/>
+                <a:lumOff val="25000"/>
+              </a:schemeClr>
+            </a:solidFill>
+            <a:ln>
+              <a:solidFill>
+                <a:schemeClr val="tx1"/>
+              </a:solidFill>
+            </a:ln>
+          </p:spPr>
+          <p:style>
+            <a:lnRef idx="2">
+              <a:schemeClr val="accent1">
+                <a:shade val="50000"/>
+              </a:schemeClr>
+            </a:lnRef>
+            <a:fillRef idx="1">
+              <a:schemeClr val="accent1"/>
+            </a:fillRef>
+            <a:effectRef idx="0">
+              <a:schemeClr val="accent1"/>
+            </a:effectRef>
+            <a:fontRef idx="minor">
+              <a:schemeClr val="lt1"/>
+            </a:fontRef>
+          </p:style>
+          <p:txBody>
+            <a:bodyPr rtlCol="0" anchor="ctr"/>
+            <a:p>
+              <a:pPr algn="ctr"/>
+              <a:endParaRPr lang="zh-CN" altLang="en-US"/>
+            </a:p>
+          </p:txBody>
+        </p:sp>
+        <p:sp>
+          <p:nvSpPr>
+            <p:cNvPr id="44" name="矩形 43"/>
+            <p:cNvSpPr/>
+            <p:nvPr/>
+          </p:nvSpPr>
+          <p:spPr>
+            <a:xfrm>
+              <a:off x="6989" y="8047"/>
+              <a:ext cx="370" cy="92"/>
+            </a:xfrm>
+            <a:prstGeom prst="rect">
+              <a:avLst/>
+            </a:prstGeom>
+            <a:solidFill>
+              <a:schemeClr val="tx1">
+                <a:lumMod val="75000"/>
+                <a:lumOff val="25000"/>
+              </a:schemeClr>
+            </a:solidFill>
+            <a:ln>
+              <a:solidFill>
+                <a:schemeClr val="tx1"/>
+              </a:solidFill>
+            </a:ln>
+          </p:spPr>
+          <p:style>
+            <a:lnRef idx="2">
+              <a:schemeClr val="accent1">
+                <a:shade val="50000"/>
+              </a:schemeClr>
+            </a:lnRef>
+            <a:fillRef idx="1">
+              <a:schemeClr val="accent1"/>
+            </a:fillRef>
+            <a:effectRef idx="0">
+              <a:schemeClr val="accent1"/>
+            </a:effectRef>
+            <a:fontRef idx="minor">
+              <a:schemeClr val="lt1"/>
+            </a:fontRef>
+          </p:style>
+          <p:txBody>
+            <a:bodyPr rtlCol="0" anchor="ctr"/>
+            <a:p>
+              <a:pPr algn="ctr"/>
+              <a:endParaRPr lang="zh-CN" altLang="en-US"/>
+            </a:p>
+          </p:txBody>
+        </p:sp>
+      </p:grpSp>
+      <p:grpSp>
+        <p:nvGrpSpPr>
+          <p:cNvPr id="52" name="组合 51"/>
+          <p:cNvGrpSpPr/>
+          <p:nvPr/>
+        </p:nvGrpSpPr>
+        <p:grpSpPr>
+          <a:xfrm>
+            <a:off x="5486400" y="4850130"/>
+            <a:ext cx="339090" cy="340360"/>
+            <a:chOff x="8640" y="7638"/>
+            <a:chExt cx="534" cy="536"/>
+          </a:xfrm>
+        </p:grpSpPr>
+        <p:sp>
+          <p:nvSpPr>
+            <p:cNvPr id="11" name="圆角矩形 10"/>
+            <p:cNvSpPr/>
+            <p:nvPr/>
+          </p:nvSpPr>
+          <p:spPr>
+            <a:xfrm>
+              <a:off x="8640" y="7638"/>
+              <a:ext cx="535" cy="537"/>
+            </a:xfrm>
+            <a:prstGeom prst="roundRect">
+              <a:avLst>
+                <a:gd name="adj" fmla="val 10984"/>
+              </a:avLst>
+            </a:prstGeom>
+            <a:solidFill>
+              <a:schemeClr val="bg1">
+                <a:lumMod val="85000"/>
+              </a:schemeClr>
+            </a:solidFill>
+            <a:ln>
+              <a:solidFill>
+                <a:schemeClr val="tx1"/>
+              </a:solidFill>
+            </a:ln>
+            <a:extLst>
+              <a:ext uri="{909E8E84-426E-40DD-AFC4-6F175D3DCCD1}">
+                <a14:hiddenFill xmlns:a14="http://schemas.microsoft.com/office/drawing/2010/main">
+                  <a:solidFill>
+                    <a:schemeClr val="accent1"/>
+                  </a:solidFill>
+                </a14:hiddenFill>
+              </a:ext>
+            </a:extLst>
+          </p:spPr>
+          <p:style>
+            <a:lnRef idx="2">
+              <a:schemeClr val="accent1">
+                <a:shade val="50000"/>
+              </a:schemeClr>
+            </a:lnRef>
+            <a:fillRef idx="1">
+              <a:schemeClr val="accent1"/>
+            </a:fillRef>
+            <a:effectRef idx="0">
+              <a:schemeClr val="accent1"/>
+            </a:effectRef>
+            <a:fontRef idx="minor">
+              <a:schemeClr val="lt1"/>
+            </a:fontRef>
+          </p:style>
+          <p:txBody>
+            <a:bodyPr rtlCol="0" anchor="ctr"/>
+            <a:p>
+              <a:pPr algn="ctr"/>
+              <a:endParaRPr lang="zh-CN" altLang="en-US"/>
+            </a:p>
+          </p:txBody>
+        </p:sp>
+        <p:sp>
+          <p:nvSpPr>
+            <p:cNvPr id="12" name="矩形 11"/>
+            <p:cNvSpPr/>
+            <p:nvPr/>
+          </p:nvSpPr>
+          <p:spPr>
+            <a:xfrm>
+              <a:off x="8688" y="7699"/>
+              <a:ext cx="248" cy="287"/>
+            </a:xfrm>
+            <a:prstGeom prst="rect">
+              <a:avLst/>
+            </a:prstGeom>
+            <a:solidFill>
+              <a:schemeClr val="bg1">
+                <a:lumMod val="65000"/>
+              </a:schemeClr>
+            </a:solidFill>
+            <a:ln>
+              <a:solidFill>
+                <a:schemeClr val="tx1"/>
+              </a:solidFill>
+            </a:ln>
+          </p:spPr>
+          <p:style>
+            <a:lnRef idx="2">
+              <a:schemeClr val="accent1">
+                <a:shade val="50000"/>
+              </a:schemeClr>
+            </a:lnRef>
+            <a:fillRef idx="1">
+              <a:schemeClr val="accent1"/>
+            </a:fillRef>
+            <a:effectRef idx="0">
+              <a:schemeClr val="accent1"/>
+            </a:effectRef>
+            <a:fontRef idx="minor">
+              <a:schemeClr val="lt1"/>
+            </a:fontRef>
+          </p:style>
+          <p:txBody>
+            <a:bodyPr rtlCol="0" anchor="ctr"/>
+            <a:p>
+              <a:pPr algn="ctr"/>
+              <a:endParaRPr lang="zh-CN" altLang="en-US"/>
+            </a:p>
+          </p:txBody>
+        </p:sp>
+        <p:sp>
+          <p:nvSpPr>
+            <p:cNvPr id="20" name="矩形 19"/>
+            <p:cNvSpPr/>
+            <p:nvPr/>
+          </p:nvSpPr>
+          <p:spPr>
+            <a:xfrm>
+              <a:off x="8914" y="8047"/>
+              <a:ext cx="220" cy="92"/>
+            </a:xfrm>
+            <a:prstGeom prst="rect">
+              <a:avLst/>
+            </a:prstGeom>
+            <a:solidFill>
+              <a:schemeClr val="bg1">
+                <a:lumMod val="65000"/>
+              </a:schemeClr>
+            </a:solidFill>
+            <a:ln>
+              <a:solidFill>
+                <a:schemeClr val="tx1"/>
+              </a:solidFill>
+            </a:ln>
+          </p:spPr>
+          <p:style>
+            <a:lnRef idx="2">
+              <a:schemeClr val="accent1">
+                <a:shade val="50000"/>
+              </a:schemeClr>
+            </a:lnRef>
+            <a:fillRef idx="1">
+              <a:schemeClr val="accent1"/>
+            </a:fillRef>
+            <a:effectRef idx="0">
+              <a:schemeClr val="accent1"/>
+            </a:effectRef>
+            <a:fontRef idx="minor">
+              <a:schemeClr val="lt1"/>
+            </a:fontRef>
+          </p:style>
+          <p:txBody>
+            <a:bodyPr rtlCol="0" anchor="ctr"/>
+            <a:p>
+              <a:pPr algn="ctr"/>
+              <a:endParaRPr lang="zh-CN" altLang="en-US"/>
+            </a:p>
+          </p:txBody>
+        </p:sp>
+        <p:sp>
+          <p:nvSpPr>
+            <p:cNvPr id="45" name="矩形 44"/>
+            <p:cNvSpPr/>
+            <p:nvPr/>
+          </p:nvSpPr>
+          <p:spPr>
+            <a:xfrm>
+              <a:off x="8687" y="7699"/>
+              <a:ext cx="248" cy="287"/>
+            </a:xfrm>
+            <a:prstGeom prst="rect">
+              <a:avLst/>
+            </a:prstGeom>
+            <a:solidFill>
+              <a:schemeClr val="tx1">
+                <a:lumMod val="75000"/>
+                <a:lumOff val="25000"/>
+              </a:schemeClr>
+            </a:solidFill>
+            <a:ln>
+              <a:solidFill>
+                <a:schemeClr val="tx1"/>
+              </a:solidFill>
+            </a:ln>
+          </p:spPr>
+          <p:style>
+            <a:lnRef idx="2">
+              <a:schemeClr val="accent1">
+                <a:shade val="50000"/>
+              </a:schemeClr>
+            </a:lnRef>
+            <a:fillRef idx="1">
+              <a:schemeClr val="accent1"/>
+            </a:fillRef>
+            <a:effectRef idx="0">
+              <a:schemeClr val="accent1"/>
+            </a:effectRef>
+            <a:fontRef idx="minor">
+              <a:schemeClr val="lt1"/>
+            </a:fontRef>
+          </p:style>
+          <p:txBody>
+            <a:bodyPr rtlCol="0" anchor="ctr"/>
+            <a:p>
+              <a:pPr algn="ctr"/>
+              <a:endParaRPr lang="zh-CN" altLang="en-US"/>
+            </a:p>
+          </p:txBody>
+        </p:sp>
+        <p:sp>
+          <p:nvSpPr>
+            <p:cNvPr id="46" name="矩形 45"/>
+            <p:cNvSpPr/>
+            <p:nvPr/>
+          </p:nvSpPr>
+          <p:spPr>
+            <a:xfrm>
+              <a:off x="8913" y="8047"/>
+              <a:ext cx="220" cy="92"/>
+            </a:xfrm>
+            <a:prstGeom prst="rect">
+              <a:avLst/>
+            </a:prstGeom>
+            <a:solidFill>
+              <a:schemeClr val="tx1">
+                <a:lumMod val="75000"/>
+                <a:lumOff val="25000"/>
+              </a:schemeClr>
+            </a:solidFill>
+            <a:ln>
+              <a:solidFill>
+                <a:schemeClr val="tx1"/>
+              </a:solidFill>
+            </a:ln>
+          </p:spPr>
+          <p:style>
+            <a:lnRef idx="2">
+              <a:schemeClr val="accent1">
+                <a:shade val="50000"/>
+              </a:schemeClr>
+            </a:lnRef>
+            <a:fillRef idx="1">
+              <a:schemeClr val="accent1"/>
+            </a:fillRef>
+            <a:effectRef idx="0">
+              <a:schemeClr val="accent1"/>
+            </a:effectRef>
+            <a:fontRef idx="minor">
+              <a:schemeClr val="lt1"/>
+            </a:fontRef>
+          </p:style>
+          <p:txBody>
+            <a:bodyPr rtlCol="0" anchor="ctr"/>
+            <a:p>
+              <a:pPr algn="ctr"/>
+              <a:endParaRPr lang="zh-CN" altLang="en-US"/>
+            </a:p>
+          </p:txBody>
+        </p:sp>
+      </p:grpSp>
+      <p:grpSp>
+        <p:nvGrpSpPr>
+          <p:cNvPr id="54" name="组合 53"/>
+          <p:cNvGrpSpPr/>
+          <p:nvPr/>
+        </p:nvGrpSpPr>
+        <p:grpSpPr>
+          <a:xfrm>
+            <a:off x="6563995" y="4850765"/>
+            <a:ext cx="340360" cy="340360"/>
+            <a:chOff x="10337" y="7639"/>
+            <a:chExt cx="536" cy="536"/>
+          </a:xfrm>
+        </p:grpSpPr>
+        <p:sp>
+          <p:nvSpPr>
+            <p:cNvPr id="22" name="圆角矩形 21"/>
+            <p:cNvSpPr/>
+            <p:nvPr/>
+          </p:nvSpPr>
+          <p:spPr>
+            <a:xfrm rot="16200000" flipH="1" flipV="1">
+              <a:off x="10337" y="7639"/>
+              <a:ext cx="536" cy="536"/>
+            </a:xfrm>
+            <a:prstGeom prst="roundRect">
+              <a:avLst>
+                <a:gd name="adj" fmla="val 10984"/>
+              </a:avLst>
+            </a:prstGeom>
+            <a:solidFill>
+              <a:schemeClr val="bg1">
+                <a:lumMod val="85000"/>
+              </a:schemeClr>
+            </a:solidFill>
+            <a:ln>
+              <a:solidFill>
+                <a:schemeClr val="tx1"/>
+              </a:solidFill>
+            </a:ln>
+            <a:extLst>
+              <a:ext uri="{909E8E84-426E-40DD-AFC4-6F175D3DCCD1}">
+                <a14:hiddenFill xmlns:a14="http://schemas.microsoft.com/office/drawing/2010/main">
+                  <a:solidFill>
+                    <a:schemeClr val="accent1"/>
+                  </a:solidFill>
+                </a14:hiddenFill>
+              </a:ext>
+            </a:extLst>
+          </p:spPr>
+          <p:style>
+            <a:lnRef idx="2">
+              <a:schemeClr val="accent1">
+                <a:shade val="50000"/>
+              </a:schemeClr>
+            </a:lnRef>
+            <a:fillRef idx="1">
+              <a:schemeClr val="accent1"/>
+            </a:fillRef>
+            <a:effectRef idx="0">
+              <a:schemeClr val="accent1"/>
+            </a:effectRef>
+            <a:fontRef idx="minor">
+              <a:schemeClr val="lt1"/>
+            </a:fontRef>
+          </p:style>
+          <p:txBody>
+            <a:bodyPr rtlCol="0" anchor="ctr"/>
+            <a:p>
+              <a:pPr algn="ctr"/>
+              <a:endParaRPr lang="zh-CN" altLang="en-US"/>
+            </a:p>
+          </p:txBody>
+        </p:sp>
+        <p:sp>
+          <p:nvSpPr>
+            <p:cNvPr id="23" name="矩形 22"/>
+            <p:cNvSpPr/>
+            <p:nvPr/>
+          </p:nvSpPr>
+          <p:spPr>
+            <a:xfrm rot="16200000" flipH="1" flipV="1">
+              <a:off x="10417" y="7668"/>
+              <a:ext cx="249" cy="286"/>
+            </a:xfrm>
+            <a:prstGeom prst="rect">
+              <a:avLst/>
+            </a:prstGeom>
+            <a:solidFill>
+              <a:schemeClr val="bg1">
+                <a:lumMod val="65000"/>
+              </a:schemeClr>
+            </a:solidFill>
+            <a:ln>
+              <a:solidFill>
+                <a:schemeClr val="tx1"/>
+              </a:solidFill>
+            </a:ln>
+          </p:spPr>
+          <p:style>
+            <a:lnRef idx="2">
+              <a:schemeClr val="accent1">
+                <a:shade val="50000"/>
+              </a:schemeClr>
+            </a:lnRef>
+            <a:fillRef idx="1">
+              <a:schemeClr val="accent1"/>
+            </a:fillRef>
+            <a:effectRef idx="0">
+              <a:schemeClr val="accent1"/>
+            </a:effectRef>
+            <a:fontRef idx="minor">
+              <a:schemeClr val="lt1"/>
+            </a:fontRef>
+          </p:style>
+          <p:txBody>
+            <a:bodyPr rtlCol="0" anchor="ctr"/>
+            <a:p>
+              <a:pPr algn="ctr"/>
+              <a:endParaRPr lang="zh-CN" altLang="en-US"/>
+            </a:p>
+          </p:txBody>
+        </p:sp>
+        <p:sp>
+          <p:nvSpPr>
+            <p:cNvPr id="37" name="矩形 36"/>
+            <p:cNvSpPr/>
+            <p:nvPr/>
+          </p:nvSpPr>
+          <p:spPr>
+            <a:xfrm rot="16200000" flipH="1" flipV="1">
+              <a:off x="10607" y="7826"/>
+              <a:ext cx="370" cy="92"/>
+            </a:xfrm>
+            <a:prstGeom prst="rect">
+              <a:avLst/>
+            </a:prstGeom>
+            <a:solidFill>
+              <a:schemeClr val="tx1">
+                <a:lumMod val="75000"/>
+                <a:lumOff val="25000"/>
+              </a:schemeClr>
+            </a:solidFill>
+            <a:ln>
+              <a:solidFill>
+                <a:schemeClr val="tx1"/>
+              </a:solidFill>
+            </a:ln>
+          </p:spPr>
+          <p:style>
+            <a:lnRef idx="2">
+              <a:schemeClr val="accent1">
+                <a:shade val="50000"/>
+              </a:schemeClr>
+            </a:lnRef>
+            <a:fillRef idx="1">
+              <a:schemeClr val="accent1"/>
+            </a:fillRef>
+            <a:effectRef idx="0">
+              <a:schemeClr val="accent1"/>
+            </a:effectRef>
+            <a:fontRef idx="minor">
+              <a:schemeClr val="lt1"/>
+            </a:fontRef>
+          </p:style>
+          <p:txBody>
+            <a:bodyPr rtlCol="0" anchor="ctr"/>
+            <a:p>
+              <a:pPr algn="ctr"/>
+              <a:endParaRPr lang="zh-CN" altLang="en-US"/>
+            </a:p>
+          </p:txBody>
+        </p:sp>
+        <p:sp>
+          <p:nvSpPr>
+            <p:cNvPr id="47" name="矩形 46"/>
+            <p:cNvSpPr/>
+            <p:nvPr/>
+          </p:nvSpPr>
+          <p:spPr>
+            <a:xfrm rot="16200000" flipH="1" flipV="1">
+              <a:off x="10416" y="7668"/>
+              <a:ext cx="249" cy="286"/>
+            </a:xfrm>
+            <a:prstGeom prst="rect">
+              <a:avLst/>
+            </a:prstGeom>
+            <a:solidFill>
+              <a:schemeClr val="tx1">
+                <a:lumMod val="75000"/>
+                <a:lumOff val="25000"/>
+              </a:schemeClr>
+            </a:solidFill>
+            <a:ln>
+              <a:solidFill>
+                <a:schemeClr val="tx1"/>
+              </a:solidFill>
+            </a:ln>
+          </p:spPr>
+          <p:style>
+            <a:lnRef idx="2">
+              <a:schemeClr val="accent1">
+                <a:shade val="50000"/>
+              </a:schemeClr>
+            </a:lnRef>
+            <a:fillRef idx="1">
+              <a:schemeClr val="accent1"/>
+            </a:fillRef>
+            <a:effectRef idx="0">
+              <a:schemeClr val="accent1"/>
+            </a:effectRef>
+            <a:fontRef idx="minor">
+              <a:schemeClr val="lt1"/>
+            </a:fontRef>
+          </p:style>
+          <p:txBody>
+            <a:bodyPr rtlCol="0" anchor="ctr"/>
+            <a:p>
+              <a:pPr algn="ctr"/>
+              <a:endParaRPr lang="zh-CN" altLang="en-US"/>
+            </a:p>
+          </p:txBody>
+        </p:sp>
+      </p:grpSp>
+      <p:grpSp>
+        <p:nvGrpSpPr>
+          <p:cNvPr id="53" name="组合 52"/>
+          <p:cNvGrpSpPr/>
+          <p:nvPr/>
+        </p:nvGrpSpPr>
+        <p:grpSpPr>
+          <a:xfrm>
+            <a:off x="6024880" y="4850765"/>
+            <a:ext cx="340360" cy="340360"/>
+            <a:chOff x="9488" y="7639"/>
+            <a:chExt cx="536" cy="536"/>
+          </a:xfrm>
+        </p:grpSpPr>
+        <p:sp>
+          <p:nvSpPr>
+            <p:cNvPr id="39" name="圆角矩形 38"/>
+            <p:cNvSpPr/>
+            <p:nvPr/>
+          </p:nvSpPr>
+          <p:spPr>
+            <a:xfrm rot="5400000">
+              <a:off x="9488" y="7639"/>
+              <a:ext cx="536" cy="536"/>
+            </a:xfrm>
+            <a:prstGeom prst="roundRect">
+              <a:avLst>
+                <a:gd name="adj" fmla="val 10984"/>
+              </a:avLst>
+            </a:prstGeom>
+            <a:solidFill>
+              <a:schemeClr val="bg1">
+                <a:lumMod val="85000"/>
+              </a:schemeClr>
+            </a:solidFill>
+            <a:ln>
+              <a:solidFill>
+                <a:schemeClr val="tx1"/>
+              </a:solidFill>
+            </a:ln>
+            <a:extLst>
+              <a:ext uri="{909E8E84-426E-40DD-AFC4-6F175D3DCCD1}">
+                <a14:hiddenFill xmlns:a14="http://schemas.microsoft.com/office/drawing/2010/main">
+                  <a:solidFill>
+                    <a:schemeClr val="accent1"/>
+                  </a:solidFill>
+                </a14:hiddenFill>
+              </a:ext>
+            </a:extLst>
+          </p:spPr>
+          <p:style>
+            <a:lnRef idx="2">
+              <a:schemeClr val="accent1">
+                <a:shade val="50000"/>
+              </a:schemeClr>
+            </a:lnRef>
+            <a:fillRef idx="1">
+              <a:schemeClr val="accent1"/>
+            </a:fillRef>
+            <a:effectRef idx="0">
+              <a:schemeClr val="accent1"/>
+            </a:effectRef>
+            <a:fontRef idx="minor">
+              <a:schemeClr val="lt1"/>
+            </a:fontRef>
+          </p:style>
+          <p:txBody>
+            <a:bodyPr rtlCol="0" anchor="ctr"/>
+            <a:p>
+              <a:pPr algn="ctr"/>
+              <a:endParaRPr lang="zh-CN" altLang="en-US"/>
+            </a:p>
+          </p:txBody>
+        </p:sp>
+        <p:sp>
+          <p:nvSpPr>
+            <p:cNvPr id="40" name="矩形 39"/>
+            <p:cNvSpPr/>
+            <p:nvPr/>
+          </p:nvSpPr>
+          <p:spPr>
+            <a:xfrm rot="5400000">
+              <a:off x="9695" y="7668"/>
+              <a:ext cx="249" cy="286"/>
+            </a:xfrm>
+            <a:prstGeom prst="rect">
+              <a:avLst/>
+            </a:prstGeom>
+            <a:solidFill>
+              <a:schemeClr val="bg1">
+                <a:lumMod val="65000"/>
+              </a:schemeClr>
+            </a:solidFill>
+            <a:ln>
+              <a:solidFill>
+                <a:schemeClr val="tx1"/>
+              </a:solidFill>
+            </a:ln>
+          </p:spPr>
+          <p:style>
+            <a:lnRef idx="2">
+              <a:schemeClr val="accent1">
+                <a:shade val="50000"/>
+              </a:schemeClr>
+            </a:lnRef>
+            <a:fillRef idx="1">
+              <a:schemeClr val="accent1"/>
+            </a:fillRef>
+            <a:effectRef idx="0">
+              <a:schemeClr val="accent1"/>
+            </a:effectRef>
+            <a:fontRef idx="minor">
+              <a:schemeClr val="lt1"/>
+            </a:fontRef>
+          </p:style>
+          <p:txBody>
+            <a:bodyPr rtlCol="0" anchor="ctr"/>
+            <a:p>
+              <a:pPr algn="ctr"/>
+              <a:endParaRPr lang="zh-CN" altLang="en-US"/>
+            </a:p>
+          </p:txBody>
+        </p:sp>
+        <p:sp>
+          <p:nvSpPr>
+            <p:cNvPr id="41" name="矩形 40"/>
+            <p:cNvSpPr/>
+            <p:nvPr/>
+          </p:nvSpPr>
+          <p:spPr>
+            <a:xfrm rot="5400000">
+              <a:off x="9384" y="7826"/>
+              <a:ext cx="370" cy="92"/>
+            </a:xfrm>
+            <a:prstGeom prst="rect">
+              <a:avLst/>
+            </a:prstGeom>
+            <a:solidFill>
+              <a:schemeClr val="bg1">
+                <a:lumMod val="65000"/>
+              </a:schemeClr>
+            </a:solidFill>
+            <a:ln>
+              <a:solidFill>
+                <a:schemeClr val="tx1"/>
+              </a:solidFill>
+            </a:ln>
+          </p:spPr>
+          <p:style>
+            <a:lnRef idx="2">
+              <a:schemeClr val="accent1">
+                <a:shade val="50000"/>
+              </a:schemeClr>
+            </a:lnRef>
+            <a:fillRef idx="1">
+              <a:schemeClr val="accent1"/>
+            </a:fillRef>
+            <a:effectRef idx="0">
+              <a:schemeClr val="accent1"/>
+            </a:effectRef>
+            <a:fontRef idx="minor">
+              <a:schemeClr val="lt1"/>
+            </a:fontRef>
+          </p:style>
+          <p:txBody>
+            <a:bodyPr rtlCol="0" anchor="ctr"/>
+            <a:p>
+              <a:pPr algn="ctr"/>
+              <a:endParaRPr lang="zh-CN" altLang="en-US"/>
+            </a:p>
+          </p:txBody>
+        </p:sp>
+        <p:sp>
+          <p:nvSpPr>
+            <p:cNvPr id="48" name="矩形 47"/>
+            <p:cNvSpPr/>
+            <p:nvPr/>
+          </p:nvSpPr>
+          <p:spPr>
+            <a:xfrm rot="5400000">
+              <a:off x="9694" y="7668"/>
+              <a:ext cx="249" cy="286"/>
+            </a:xfrm>
+            <a:prstGeom prst="rect">
+              <a:avLst/>
+            </a:prstGeom>
+            <a:solidFill>
+              <a:schemeClr val="tx1">
+                <a:lumMod val="75000"/>
+                <a:lumOff val="25000"/>
+              </a:schemeClr>
+            </a:solidFill>
+            <a:ln>
+              <a:solidFill>
+                <a:schemeClr val="tx1"/>
+              </a:solidFill>
+            </a:ln>
+          </p:spPr>
+          <p:style>
+            <a:lnRef idx="2">
+              <a:schemeClr val="accent1">
+                <a:shade val="50000"/>
+              </a:schemeClr>
+            </a:lnRef>
+            <a:fillRef idx="1">
+              <a:schemeClr val="accent1"/>
+            </a:fillRef>
+            <a:effectRef idx="0">
+              <a:schemeClr val="accent1"/>
+            </a:effectRef>
+            <a:fontRef idx="minor">
+              <a:schemeClr val="lt1"/>
+            </a:fontRef>
+          </p:style>
+          <p:txBody>
+            <a:bodyPr rtlCol="0" anchor="ctr"/>
+            <a:p>
+              <a:pPr algn="ctr"/>
+              <a:endParaRPr lang="zh-CN" altLang="en-US"/>
+            </a:p>
+          </p:txBody>
+        </p:sp>
+        <p:sp>
+          <p:nvSpPr>
+            <p:cNvPr id="49" name="矩形 48"/>
+            <p:cNvSpPr/>
+            <p:nvPr/>
+          </p:nvSpPr>
+          <p:spPr>
+            <a:xfrm rot="5400000">
+              <a:off x="9383" y="7826"/>
+              <a:ext cx="370" cy="92"/>
+            </a:xfrm>
+            <a:prstGeom prst="rect">
+              <a:avLst/>
+            </a:prstGeom>
+            <a:solidFill>
+              <a:schemeClr val="tx1">
+                <a:lumMod val="75000"/>
+                <a:lumOff val="25000"/>
+              </a:schemeClr>
+            </a:solidFill>
+            <a:ln>
+              <a:solidFill>
+                <a:schemeClr val="tx1"/>
+              </a:solidFill>
+            </a:ln>
+          </p:spPr>
+          <p:style>
+            <a:lnRef idx="2">
+              <a:schemeClr val="accent1">
+                <a:shade val="50000"/>
+              </a:schemeClr>
+            </a:lnRef>
+            <a:fillRef idx="1">
+              <a:schemeClr val="accent1"/>
+            </a:fillRef>
+            <a:effectRef idx="0">
+              <a:schemeClr val="accent1"/>
+            </a:effectRef>
+            <a:fontRef idx="minor">
+              <a:schemeClr val="lt1"/>
+            </a:fontRef>
+          </p:style>
+          <p:txBody>
+            <a:bodyPr rtlCol="0" anchor="ctr"/>
+            <a:p>
+              <a:pPr algn="ctr"/>
+              <a:endParaRPr lang="zh-CN" altLang="en-US"/>
+            </a:p>
+          </p:txBody>
+        </p:sp>
+      </p:grpSp>
+    </p:spTree>
+  </p:cSld>
+  <p:clrMapOvr>
+    <a:masterClrMapping/>
+  </p:clrMapOvr>
+</p:sld>
+</file>
+
 <file path=ppt/theme/theme1.xml><?xml version="1.0" encoding="utf-8"?>
 <a:theme xmlns:a="http://schemas.openxmlformats.org/drawingml/2006/main" name="Office 主题">
   <a:themeElements>
